--- a/R1/assets/doc/ICAST2026_poster_template.pptx
+++ b/R1/assets/doc/ICAST2026_poster_template.pptx
@@ -5622,7 +5622,7 @@
                 <a:latin typeface="+mj-lt"/>
                 <a:cs typeface="Arial" pitchFamily="34" charset="0"/>
               </a:rPr>
-              <a:t>by May 13 if you prefer for us to print your poster (provide both pdf and pptx).</a:t>
+              <a:t>by May 23 if you prefer for us to print your poster (provide both pdf and pptx).</a:t>
             </a:r>
           </a:p>
           <a:p>
